--- a/presentation.pptx
+++ b/presentation.pptx
@@ -130,6 +130,11 @@
       </a:defRPr>
     </a:lvl9pPr>
   </p:defaultTextStyle>
+  <p:extLst>
+    <p:ext uri="{EFAFB233-063F-42B5-8137-9DF3F51BA10A}">
+      <p15:sldGuideLst xmlns:p15="http://schemas.microsoft.com/office/powerpoint/2012/main"/>
+    </p:ext>
+  </p:extLst>
 </p:presentation>
 </file>
 
@@ -282,7 +287,7 @@
           <a:p>
             <a:fld id="{32BA2CC1-0DE0-4C4D-8C8B-B8AB9EA79295}" type="datetimeFigureOut">
               <a:rPr lang="lt-LT" smtClean="0"/>
-              <a:t>2024-03-03</a:t>
+              <a:t>2024-03-04</a:t>
             </a:fld>
             <a:endParaRPr lang="lt-LT"/>
           </a:p>
@@ -482,7 +487,7 @@
           <a:p>
             <a:fld id="{32BA2CC1-0DE0-4C4D-8C8B-B8AB9EA79295}" type="datetimeFigureOut">
               <a:rPr lang="lt-LT" smtClean="0"/>
-              <a:t>2024-03-03</a:t>
+              <a:t>2024-03-04</a:t>
             </a:fld>
             <a:endParaRPr lang="lt-LT"/>
           </a:p>
@@ -692,7 +697,7 @@
           <a:p>
             <a:fld id="{32BA2CC1-0DE0-4C4D-8C8B-B8AB9EA79295}" type="datetimeFigureOut">
               <a:rPr lang="lt-LT" smtClean="0"/>
-              <a:t>2024-03-03</a:t>
+              <a:t>2024-03-04</a:t>
             </a:fld>
             <a:endParaRPr lang="lt-LT"/>
           </a:p>
@@ -892,7 +897,7 @@
           <a:p>
             <a:fld id="{32BA2CC1-0DE0-4C4D-8C8B-B8AB9EA79295}" type="datetimeFigureOut">
               <a:rPr lang="lt-LT" smtClean="0"/>
-              <a:t>2024-03-03</a:t>
+              <a:t>2024-03-04</a:t>
             </a:fld>
             <a:endParaRPr lang="lt-LT"/>
           </a:p>
@@ -1168,7 +1173,7 @@
           <a:p>
             <a:fld id="{32BA2CC1-0DE0-4C4D-8C8B-B8AB9EA79295}" type="datetimeFigureOut">
               <a:rPr lang="lt-LT" smtClean="0"/>
-              <a:t>2024-03-03</a:t>
+              <a:t>2024-03-04</a:t>
             </a:fld>
             <a:endParaRPr lang="lt-LT"/>
           </a:p>
@@ -1436,7 +1441,7 @@
           <a:p>
             <a:fld id="{32BA2CC1-0DE0-4C4D-8C8B-B8AB9EA79295}" type="datetimeFigureOut">
               <a:rPr lang="lt-LT" smtClean="0"/>
-              <a:t>2024-03-03</a:t>
+              <a:t>2024-03-04</a:t>
             </a:fld>
             <a:endParaRPr lang="lt-LT"/>
           </a:p>
@@ -1851,7 +1856,7 @@
           <a:p>
             <a:fld id="{32BA2CC1-0DE0-4C4D-8C8B-B8AB9EA79295}" type="datetimeFigureOut">
               <a:rPr lang="lt-LT" smtClean="0"/>
-              <a:t>2024-03-03</a:t>
+              <a:t>2024-03-04</a:t>
             </a:fld>
             <a:endParaRPr lang="lt-LT"/>
           </a:p>
@@ -1993,7 +1998,7 @@
           <a:p>
             <a:fld id="{32BA2CC1-0DE0-4C4D-8C8B-B8AB9EA79295}" type="datetimeFigureOut">
               <a:rPr lang="lt-LT" smtClean="0"/>
-              <a:t>2024-03-03</a:t>
+              <a:t>2024-03-04</a:t>
             </a:fld>
             <a:endParaRPr lang="lt-LT"/>
           </a:p>
@@ -2106,7 +2111,7 @@
           <a:p>
             <a:fld id="{32BA2CC1-0DE0-4C4D-8C8B-B8AB9EA79295}" type="datetimeFigureOut">
               <a:rPr lang="lt-LT" smtClean="0"/>
-              <a:t>2024-03-03</a:t>
+              <a:t>2024-03-04</a:t>
             </a:fld>
             <a:endParaRPr lang="lt-LT"/>
           </a:p>
@@ -2419,7 +2424,7 @@
           <a:p>
             <a:fld id="{32BA2CC1-0DE0-4C4D-8C8B-B8AB9EA79295}" type="datetimeFigureOut">
               <a:rPr lang="lt-LT" smtClean="0"/>
-              <a:t>2024-03-03</a:t>
+              <a:t>2024-03-04</a:t>
             </a:fld>
             <a:endParaRPr lang="lt-LT"/>
           </a:p>
@@ -2708,7 +2713,7 @@
           <a:p>
             <a:fld id="{32BA2CC1-0DE0-4C4D-8C8B-B8AB9EA79295}" type="datetimeFigureOut">
               <a:rPr lang="lt-LT" smtClean="0"/>
-              <a:t>2024-03-03</a:t>
+              <a:t>2024-03-04</a:t>
             </a:fld>
             <a:endParaRPr lang="lt-LT"/>
           </a:p>
@@ -2951,7 +2956,7 @@
           <a:p>
             <a:fld id="{32BA2CC1-0DE0-4C4D-8C8B-B8AB9EA79295}" type="datetimeFigureOut">
               <a:rPr lang="lt-LT" smtClean="0"/>
-              <a:t>2024-03-03</a:t>
+              <a:t>2024-03-04</a:t>
             </a:fld>
             <a:endParaRPr lang="lt-LT"/>
           </a:p>
@@ -9016,35 +9021,35 @@
               <a:buNone/>
             </a:pPr>
             <a:r>
-              <a:rPr lang="en-US" sz="2400" b="1" dirty="0">
+              <a:rPr lang="en-US" sz="1800" b="1" dirty="0">
                 <a:latin typeface="+mj-lt"/>
                 <a:cs typeface="Times New Roman" panose="02020603050405020304" pitchFamily="18" charset="0"/>
               </a:rPr>
               <a:t>class User(</a:t>
             </a:r>
             <a:r>
-              <a:rPr lang="en-US" sz="2400" b="1" dirty="0" err="1">
+              <a:rPr lang="en-US" sz="1800" b="1" dirty="0" err="1">
                 <a:latin typeface="+mj-lt"/>
                 <a:cs typeface="Times New Roman" panose="02020603050405020304" pitchFamily="18" charset="0"/>
               </a:rPr>
               <a:t>db.Model</a:t>
             </a:r>
             <a:r>
-              <a:rPr lang="en-US" sz="2400" b="1" dirty="0">
+              <a:rPr lang="en-US" sz="1800" b="1" dirty="0">
                 <a:latin typeface="+mj-lt"/>
                 <a:cs typeface="Times New Roman" panose="02020603050405020304" pitchFamily="18" charset="0"/>
               </a:rPr>
               <a:t>, </a:t>
             </a:r>
             <a:r>
-              <a:rPr lang="en-US" sz="2400" b="1" dirty="0" err="1">
+              <a:rPr lang="en-US" sz="1800" b="1" dirty="0" err="1">
                 <a:latin typeface="+mj-lt"/>
                 <a:cs typeface="Times New Roman" panose="02020603050405020304" pitchFamily="18" charset="0"/>
               </a:rPr>
               <a:t>UserMixin</a:t>
             </a:r>
             <a:r>
-              <a:rPr lang="en-US" sz="2400" b="1" dirty="0">
+              <a:rPr lang="en-US" sz="1800" b="1" dirty="0">
                 <a:latin typeface="+mj-lt"/>
                 <a:cs typeface="Times New Roman" panose="02020603050405020304" pitchFamily="18" charset="0"/>
               </a:rPr>
@@ -9056,21 +9061,21 @@
               <a:buNone/>
             </a:pPr>
             <a:r>
-              <a:rPr lang="en-US" sz="1400" b="1" dirty="0">
+              <a:rPr lang="en-US" sz="1200" b="1" dirty="0">
                 <a:latin typeface="+mj-lt"/>
                 <a:cs typeface="Times New Roman" panose="02020603050405020304" pitchFamily="18" charset="0"/>
               </a:rPr>
               <a:t>__</a:t>
             </a:r>
             <a:r>
-              <a:rPr lang="en-US" sz="1400" b="1" dirty="0" err="1">
+              <a:rPr lang="en-US" sz="1200" b="1" dirty="0" err="1">
                 <a:latin typeface="+mj-lt"/>
                 <a:cs typeface="Times New Roman" panose="02020603050405020304" pitchFamily="18" charset="0"/>
               </a:rPr>
               <a:t>tablename</a:t>
             </a:r>
             <a:r>
-              <a:rPr lang="en-US" sz="1400" b="1" dirty="0">
+              <a:rPr lang="en-US" sz="1200" b="1" dirty="0">
                 <a:latin typeface="+mj-lt"/>
                 <a:cs typeface="Times New Roman" panose="02020603050405020304" pitchFamily="18" charset="0"/>
               </a:rPr>
@@ -9082,35 +9087,35 @@
               <a:buNone/>
             </a:pPr>
             <a:r>
-              <a:rPr lang="en-US" sz="1400" b="1" dirty="0">
+              <a:rPr lang="en-US" sz="1200" b="1" dirty="0">
                 <a:latin typeface="+mj-lt"/>
                 <a:cs typeface="Times New Roman" panose="02020603050405020304" pitchFamily="18" charset="0"/>
               </a:rPr>
               <a:t>id = </a:t>
             </a:r>
             <a:r>
-              <a:rPr lang="en-US" sz="1400" b="1" dirty="0" err="1">
+              <a:rPr lang="en-US" sz="1200" b="1" dirty="0" err="1">
                 <a:latin typeface="+mj-lt"/>
                 <a:cs typeface="Times New Roman" panose="02020603050405020304" pitchFamily="18" charset="0"/>
               </a:rPr>
               <a:t>db.Column</a:t>
             </a:r>
             <a:r>
-              <a:rPr lang="en-US" sz="1400" b="1" dirty="0">
+              <a:rPr lang="en-US" sz="1200" b="1" dirty="0">
                 <a:latin typeface="+mj-lt"/>
                 <a:cs typeface="Times New Roman" panose="02020603050405020304" pitchFamily="18" charset="0"/>
               </a:rPr>
               <a:t>("id", Integer, </a:t>
             </a:r>
             <a:r>
-              <a:rPr lang="en-US" sz="1400" b="1" dirty="0" err="1">
+              <a:rPr lang="en-US" sz="1200" b="1" dirty="0" err="1">
                 <a:latin typeface="+mj-lt"/>
                 <a:cs typeface="Times New Roman" panose="02020603050405020304" pitchFamily="18" charset="0"/>
               </a:rPr>
               <a:t>primary_key</a:t>
             </a:r>
             <a:r>
-              <a:rPr lang="en-US" sz="1400" b="1" dirty="0">
+              <a:rPr lang="en-US" sz="1200" b="1" dirty="0">
                 <a:latin typeface="+mj-lt"/>
                 <a:cs typeface="Times New Roman" panose="02020603050405020304" pitchFamily="18" charset="0"/>
               </a:rPr>
@@ -9122,42 +9127,42 @@
               <a:buNone/>
             </a:pPr>
             <a:r>
-              <a:rPr lang="en-US" sz="1400" b="1" dirty="0" err="1">
+              <a:rPr lang="en-US" sz="1200" b="1" dirty="0" err="1">
                 <a:latin typeface="+mj-lt"/>
                 <a:cs typeface="Times New Roman" panose="02020603050405020304" pitchFamily="18" charset="0"/>
               </a:rPr>
               <a:t>public_id</a:t>
             </a:r>
             <a:r>
-              <a:rPr lang="en-US" sz="1400" b="1" dirty="0">
+              <a:rPr lang="en-US" sz="1200" b="1" dirty="0">
                 <a:latin typeface="+mj-lt"/>
                 <a:cs typeface="Times New Roman" panose="02020603050405020304" pitchFamily="18" charset="0"/>
               </a:rPr>
               <a:t> = </a:t>
             </a:r>
             <a:r>
-              <a:rPr lang="en-US" sz="1400" b="1" dirty="0" err="1">
+              <a:rPr lang="en-US" sz="1200" b="1" dirty="0" err="1">
                 <a:latin typeface="+mj-lt"/>
                 <a:cs typeface="Times New Roman" panose="02020603050405020304" pitchFamily="18" charset="0"/>
               </a:rPr>
               <a:t>db.Column</a:t>
             </a:r>
             <a:r>
-              <a:rPr lang="en-US" sz="1400" b="1" dirty="0">
+              <a:rPr lang="en-US" sz="1200" b="1" dirty="0">
                 <a:latin typeface="+mj-lt"/>
                 <a:cs typeface="Times New Roman" panose="02020603050405020304" pitchFamily="18" charset="0"/>
               </a:rPr>
               <a:t>("</a:t>
             </a:r>
             <a:r>
-              <a:rPr lang="en-US" sz="1400" b="1" dirty="0" err="1">
+              <a:rPr lang="en-US" sz="1200" b="1" dirty="0" err="1">
                 <a:latin typeface="+mj-lt"/>
                 <a:cs typeface="Times New Roman" panose="02020603050405020304" pitchFamily="18" charset="0"/>
               </a:rPr>
               <a:t>public_id</a:t>
             </a:r>
             <a:r>
-              <a:rPr lang="en-US" sz="1400" b="1" dirty="0">
+              <a:rPr lang="en-US" sz="1200" b="1" dirty="0">
                 <a:latin typeface="+mj-lt"/>
                 <a:cs typeface="Times New Roman" panose="02020603050405020304" pitchFamily="18" charset="0"/>
               </a:rPr>
@@ -9169,42 +9174,42 @@
               <a:buNone/>
             </a:pPr>
             <a:r>
-              <a:rPr lang="en-US" sz="1400" b="1" dirty="0" err="1">
+              <a:rPr lang="en-US" sz="1200" b="1" dirty="0" err="1">
                 <a:latin typeface="+mj-lt"/>
                 <a:cs typeface="Times New Roman" panose="02020603050405020304" pitchFamily="18" charset="0"/>
               </a:rPr>
               <a:t>first_name</a:t>
             </a:r>
             <a:r>
-              <a:rPr lang="en-US" sz="1400" b="1" dirty="0">
+              <a:rPr lang="en-US" sz="1200" b="1" dirty="0">
                 <a:latin typeface="+mj-lt"/>
                 <a:cs typeface="Times New Roman" panose="02020603050405020304" pitchFamily="18" charset="0"/>
               </a:rPr>
               <a:t> = </a:t>
             </a:r>
             <a:r>
-              <a:rPr lang="en-US" sz="1400" b="1" dirty="0" err="1">
+              <a:rPr lang="en-US" sz="1200" b="1" dirty="0" err="1">
                 <a:latin typeface="+mj-lt"/>
                 <a:cs typeface="Times New Roman" panose="02020603050405020304" pitchFamily="18" charset="0"/>
               </a:rPr>
               <a:t>db.Column</a:t>
             </a:r>
             <a:r>
-              <a:rPr lang="en-US" sz="1400" b="1" dirty="0">
+              <a:rPr lang="en-US" sz="1200" b="1" dirty="0">
                 <a:latin typeface="+mj-lt"/>
                 <a:cs typeface="Times New Roman" panose="02020603050405020304" pitchFamily="18" charset="0"/>
               </a:rPr>
               <a:t>("</a:t>
             </a:r>
             <a:r>
-              <a:rPr lang="en-US" sz="1400" b="1" dirty="0" err="1">
+              <a:rPr lang="en-US" sz="1200" b="1" dirty="0" err="1">
                 <a:latin typeface="+mj-lt"/>
                 <a:cs typeface="Times New Roman" panose="02020603050405020304" pitchFamily="18" charset="0"/>
               </a:rPr>
               <a:t>firstname</a:t>
             </a:r>
             <a:r>
-              <a:rPr lang="en-US" sz="1400" b="1" dirty="0">
+              <a:rPr lang="en-US" sz="1200" b="1" dirty="0">
                 <a:latin typeface="+mj-lt"/>
                 <a:cs typeface="Times New Roman" panose="02020603050405020304" pitchFamily="18" charset="0"/>
               </a:rPr>
@@ -9216,42 +9221,42 @@
               <a:buNone/>
             </a:pPr>
             <a:r>
-              <a:rPr lang="en-US" sz="1400" b="1" dirty="0" err="1">
+              <a:rPr lang="en-US" sz="1200" b="1" dirty="0" err="1">
                 <a:latin typeface="+mj-lt"/>
                 <a:cs typeface="Times New Roman" panose="02020603050405020304" pitchFamily="18" charset="0"/>
               </a:rPr>
               <a:t>last_name</a:t>
             </a:r>
             <a:r>
-              <a:rPr lang="en-US" sz="1400" b="1" dirty="0">
+              <a:rPr lang="en-US" sz="1200" b="1" dirty="0">
                 <a:latin typeface="+mj-lt"/>
                 <a:cs typeface="Times New Roman" panose="02020603050405020304" pitchFamily="18" charset="0"/>
               </a:rPr>
               <a:t> = </a:t>
             </a:r>
             <a:r>
-              <a:rPr lang="en-US" sz="1400" b="1" dirty="0" err="1">
+              <a:rPr lang="en-US" sz="1200" b="1" dirty="0" err="1">
                 <a:latin typeface="+mj-lt"/>
                 <a:cs typeface="Times New Roman" panose="02020603050405020304" pitchFamily="18" charset="0"/>
               </a:rPr>
               <a:t>db.Column</a:t>
             </a:r>
             <a:r>
-              <a:rPr lang="en-US" sz="1400" b="1" dirty="0">
+              <a:rPr lang="en-US" sz="1200" b="1" dirty="0">
                 <a:latin typeface="+mj-lt"/>
                 <a:cs typeface="Times New Roman" panose="02020603050405020304" pitchFamily="18" charset="0"/>
               </a:rPr>
               <a:t>("</a:t>
             </a:r>
             <a:r>
-              <a:rPr lang="en-US" sz="1400" b="1" dirty="0" err="1">
+              <a:rPr lang="en-US" sz="1200" b="1" dirty="0" err="1">
                 <a:latin typeface="+mj-lt"/>
                 <a:cs typeface="Times New Roman" panose="02020603050405020304" pitchFamily="18" charset="0"/>
               </a:rPr>
               <a:t>lastname</a:t>
             </a:r>
             <a:r>
-              <a:rPr lang="en-US" sz="1400" b="1" dirty="0">
+              <a:rPr lang="en-US" sz="1200" b="1" dirty="0">
                 <a:latin typeface="+mj-lt"/>
                 <a:cs typeface="Times New Roman" panose="02020603050405020304" pitchFamily="18" charset="0"/>
               </a:rPr>
@@ -9263,21 +9268,21 @@
               <a:buNone/>
             </a:pPr>
             <a:r>
-              <a:rPr lang="en-US" sz="1400" b="1" dirty="0">
+              <a:rPr lang="en-US" sz="1200" b="1" dirty="0">
                 <a:latin typeface="+mj-lt"/>
                 <a:cs typeface="Times New Roman" panose="02020603050405020304" pitchFamily="18" charset="0"/>
               </a:rPr>
               <a:t>username = </a:t>
             </a:r>
             <a:r>
-              <a:rPr lang="en-US" sz="1400" b="1" dirty="0" err="1">
+              <a:rPr lang="en-US" sz="1200" b="1" dirty="0" err="1">
                 <a:latin typeface="+mj-lt"/>
                 <a:cs typeface="Times New Roman" panose="02020603050405020304" pitchFamily="18" charset="0"/>
               </a:rPr>
               <a:t>db.Column</a:t>
             </a:r>
             <a:r>
-              <a:rPr lang="en-US" sz="1400" b="1" dirty="0">
+              <a:rPr lang="en-US" sz="1200" b="1" dirty="0">
                 <a:latin typeface="+mj-lt"/>
                 <a:cs typeface="Times New Roman" panose="02020603050405020304" pitchFamily="18" charset="0"/>
               </a:rPr>
@@ -9289,21 +9294,21 @@
               <a:buNone/>
             </a:pPr>
             <a:r>
-              <a:rPr lang="en-US" sz="1400" b="1" dirty="0">
+              <a:rPr lang="en-US" sz="1200" b="1" dirty="0">
                 <a:latin typeface="+mj-lt"/>
                 <a:cs typeface="Times New Roman" panose="02020603050405020304" pitchFamily="18" charset="0"/>
               </a:rPr>
               <a:t>password = </a:t>
             </a:r>
             <a:r>
-              <a:rPr lang="en-US" sz="1400" b="1" dirty="0" err="1">
+              <a:rPr lang="en-US" sz="1200" b="1" dirty="0" err="1">
                 <a:latin typeface="+mj-lt"/>
                 <a:cs typeface="Times New Roman" panose="02020603050405020304" pitchFamily="18" charset="0"/>
               </a:rPr>
               <a:t>db.Column</a:t>
             </a:r>
             <a:r>
-              <a:rPr lang="en-US" sz="1400" b="1" dirty="0">
+              <a:rPr lang="en-US" sz="1200" b="1" dirty="0">
                 <a:latin typeface="+mj-lt"/>
                 <a:cs typeface="Times New Roman" panose="02020603050405020304" pitchFamily="18" charset="0"/>
               </a:rPr>
@@ -9315,14 +9320,14 @@
               <a:buNone/>
             </a:pPr>
             <a:r>
-              <a:rPr lang="en-US" sz="1400" b="1" dirty="0" err="1">
+              <a:rPr lang="en-US" sz="1200" b="1" dirty="0" err="1">
                 <a:latin typeface="+mj-lt"/>
                 <a:cs typeface="Times New Roman" panose="02020603050405020304" pitchFamily="18" charset="0"/>
               </a:rPr>
               <a:t>todo_list</a:t>
             </a:r>
             <a:r>
-              <a:rPr lang="en-US" sz="1400" b="1" dirty="0">
+              <a:rPr lang="en-US" sz="1200" b="1" dirty="0">
                 <a:latin typeface="+mj-lt"/>
                 <a:cs typeface="Times New Roman" panose="02020603050405020304" pitchFamily="18" charset="0"/>
               </a:rPr>
@@ -9334,7 +9339,7 @@
               <a:buNone/>
             </a:pPr>
             <a:r>
-              <a:rPr lang="en-US" sz="1400" b="1" dirty="0">
+              <a:rPr lang="en-US" sz="1200" b="1" dirty="0">
                 <a:latin typeface="+mj-lt"/>
                 <a:cs typeface="Times New Roman" panose="02020603050405020304" pitchFamily="18" charset="0"/>
               </a:rPr>
@@ -9346,49 +9351,49 @@
               <a:buNone/>
             </a:pPr>
             <a:r>
-              <a:rPr lang="en-US" sz="1400" b="1" dirty="0">
+              <a:rPr lang="en-US" sz="1200" b="1" dirty="0">
                 <a:latin typeface="+mj-lt"/>
                 <a:cs typeface="Times New Roman" panose="02020603050405020304" pitchFamily="18" charset="0"/>
               </a:rPr>
               <a:t>    def __</a:t>
             </a:r>
             <a:r>
-              <a:rPr lang="en-US" sz="1400" b="1" dirty="0" err="1">
+              <a:rPr lang="en-US" sz="1200" b="1" dirty="0" err="1">
                 <a:latin typeface="+mj-lt"/>
                 <a:cs typeface="Times New Roman" panose="02020603050405020304" pitchFamily="18" charset="0"/>
               </a:rPr>
               <a:t>init</a:t>
             </a:r>
             <a:r>
-              <a:rPr lang="en-US" sz="1400" b="1" dirty="0">
+              <a:rPr lang="en-US" sz="1200" b="1" dirty="0">
                 <a:latin typeface="+mj-lt"/>
                 <a:cs typeface="Times New Roman" panose="02020603050405020304" pitchFamily="18" charset="0"/>
               </a:rPr>
               <a:t>__(self, </a:t>
             </a:r>
             <a:r>
-              <a:rPr lang="en-US" sz="1400" b="1" dirty="0" err="1">
+              <a:rPr lang="en-US" sz="1200" b="1" dirty="0" err="1">
                 <a:latin typeface="+mj-lt"/>
                 <a:cs typeface="Times New Roman" panose="02020603050405020304" pitchFamily="18" charset="0"/>
               </a:rPr>
               <a:t>public_id,firs_name</a:t>
             </a:r>
             <a:r>
-              <a:rPr lang="en-US" sz="1400" b="1" dirty="0">
+              <a:rPr lang="en-US" sz="1200" b="1" dirty="0">
                 <a:latin typeface="+mj-lt"/>
                 <a:cs typeface="Times New Roman" panose="02020603050405020304" pitchFamily="18" charset="0"/>
               </a:rPr>
               <a:t>, </a:t>
             </a:r>
             <a:r>
-              <a:rPr lang="en-US" sz="1400" b="1" dirty="0" err="1">
+              <a:rPr lang="en-US" sz="1200" b="1" dirty="0" err="1">
                 <a:latin typeface="+mj-lt"/>
                 <a:cs typeface="Times New Roman" panose="02020603050405020304" pitchFamily="18" charset="0"/>
               </a:rPr>
               <a:t>last_name</a:t>
             </a:r>
             <a:r>
-              <a:rPr lang="en-US" sz="1400" b="1" dirty="0">
+              <a:rPr lang="en-US" sz="1200" b="1" dirty="0">
                 <a:latin typeface="+mj-lt"/>
                 <a:cs typeface="Times New Roman" panose="02020603050405020304" pitchFamily="18" charset="0"/>
               </a:rPr>
@@ -9400,7 +9405,7 @@
               <a:buNone/>
             </a:pPr>
             <a:r>
-              <a:rPr lang="en-US" sz="1400" b="1" dirty="0">
+              <a:rPr lang="en-US" sz="1200" b="1" dirty="0">
                 <a:latin typeface="+mj-lt"/>
                 <a:cs typeface="Times New Roman" panose="02020603050405020304" pitchFamily="18" charset="0"/>
               </a:rPr>
@@ -9412,21 +9417,21 @@
               <a:buNone/>
             </a:pPr>
             <a:r>
-              <a:rPr lang="en-US" sz="1400" b="1" dirty="0">
+              <a:rPr lang="en-US" sz="1200" b="1" dirty="0">
                 <a:latin typeface="+mj-lt"/>
                 <a:cs typeface="Times New Roman" panose="02020603050405020304" pitchFamily="18" charset="0"/>
               </a:rPr>
               <a:t>    def </a:t>
             </a:r>
             <a:r>
-              <a:rPr lang="en-US" sz="1400" b="1" dirty="0" err="1">
+              <a:rPr lang="en-US" sz="1200" b="1" dirty="0" err="1">
                 <a:latin typeface="+mj-lt"/>
                 <a:cs typeface="Times New Roman" panose="02020603050405020304" pitchFamily="18" charset="0"/>
               </a:rPr>
               <a:t>to_json</a:t>
             </a:r>
             <a:r>
-              <a:rPr lang="en-US" sz="1400" b="1" dirty="0">
+              <a:rPr lang="en-US" sz="1200" b="1" dirty="0">
                 <a:latin typeface="+mj-lt"/>
                 <a:cs typeface="Times New Roman" panose="02020603050405020304" pitchFamily="18" charset="0"/>
               </a:rPr>
@@ -9438,21 +9443,21 @@
               <a:buNone/>
             </a:pPr>
             <a:r>
-              <a:rPr lang="en-US" sz="1400" b="1" dirty="0">
+              <a:rPr lang="en-US" sz="1200" b="1" dirty="0">
                 <a:latin typeface="+mj-lt"/>
                 <a:cs typeface="Times New Roman" panose="02020603050405020304" pitchFamily="18" charset="0"/>
               </a:rPr>
               <a:t>        """ method used to convert model data to </a:t>
             </a:r>
             <a:r>
-              <a:rPr lang="en-US" sz="1400" b="1" dirty="0" err="1">
+              <a:rPr lang="en-US" sz="1200" b="1" dirty="0" err="1">
                 <a:latin typeface="+mj-lt"/>
                 <a:cs typeface="Times New Roman" panose="02020603050405020304" pitchFamily="18" charset="0"/>
               </a:rPr>
               <a:t>json</a:t>
             </a:r>
             <a:r>
-              <a:rPr lang="en-US" sz="1400" b="1" dirty="0">
+              <a:rPr lang="en-US" sz="1200" b="1" dirty="0">
                 <a:latin typeface="+mj-lt"/>
                 <a:cs typeface="Times New Roman" panose="02020603050405020304" pitchFamily="18" charset="0"/>
               </a:rPr>
@@ -9664,35 +9669,35 @@
               <a:buNone/>
             </a:pPr>
             <a:r>
-              <a:rPr lang="en-US" sz="2400" b="1" dirty="0">
+              <a:rPr lang="en-US" sz="1800" b="1" dirty="0">
                 <a:latin typeface="+mj-lt"/>
                 <a:cs typeface="Times New Roman" panose="02020603050405020304" pitchFamily="18" charset="0"/>
               </a:rPr>
               <a:t>class Todo(</a:t>
             </a:r>
             <a:r>
-              <a:rPr lang="en-US" sz="2400" b="1" dirty="0" err="1">
+              <a:rPr lang="en-US" sz="1800" b="1" dirty="0" err="1">
                 <a:latin typeface="+mj-lt"/>
                 <a:cs typeface="Times New Roman" panose="02020603050405020304" pitchFamily="18" charset="0"/>
               </a:rPr>
               <a:t>db.Model</a:t>
             </a:r>
             <a:r>
-              <a:rPr lang="en-US" sz="2400" b="1" dirty="0">
+              <a:rPr lang="en-US" sz="1800" b="1" dirty="0">
                 <a:latin typeface="+mj-lt"/>
                 <a:cs typeface="Times New Roman" panose="02020603050405020304" pitchFamily="18" charset="0"/>
               </a:rPr>
               <a:t>, </a:t>
             </a:r>
             <a:r>
-              <a:rPr lang="en-US" sz="2400" b="1" dirty="0" err="1">
+              <a:rPr lang="en-US" sz="1800" b="1" dirty="0" err="1">
                 <a:latin typeface="+mj-lt"/>
                 <a:cs typeface="Times New Roman" panose="02020603050405020304" pitchFamily="18" charset="0"/>
               </a:rPr>
               <a:t>UserMixin</a:t>
             </a:r>
             <a:r>
-              <a:rPr lang="en-US" sz="2400" b="1" dirty="0">
+              <a:rPr lang="en-US" sz="1800" b="1" dirty="0">
                 <a:latin typeface="+mj-lt"/>
                 <a:cs typeface="Times New Roman" panose="02020603050405020304" pitchFamily="18" charset="0"/>
               </a:rPr>
@@ -9704,35 +9709,35 @@
               <a:buNone/>
             </a:pPr>
             <a:r>
-              <a:rPr lang="en-US" sz="1400" b="1" dirty="0">
+              <a:rPr lang="en-US" sz="1200" b="1" dirty="0">
                 <a:latin typeface="+mj-lt"/>
                 <a:cs typeface="Times New Roman" panose="02020603050405020304" pitchFamily="18" charset="0"/>
               </a:rPr>
               <a:t>__</a:t>
             </a:r>
             <a:r>
-              <a:rPr lang="en-US" sz="1400" b="1" dirty="0" err="1">
+              <a:rPr lang="en-US" sz="1200" b="1" dirty="0" err="1">
                 <a:latin typeface="+mj-lt"/>
                 <a:cs typeface="Times New Roman" panose="02020603050405020304" pitchFamily="18" charset="0"/>
               </a:rPr>
               <a:t>tablename</a:t>
             </a:r>
             <a:r>
-              <a:rPr lang="en-US" sz="1400" b="1" dirty="0">
+              <a:rPr lang="en-US" sz="1200" b="1" dirty="0">
                 <a:latin typeface="+mj-lt"/>
                 <a:cs typeface="Times New Roman" panose="02020603050405020304" pitchFamily="18" charset="0"/>
               </a:rPr>
               <a:t>__ = "</a:t>
             </a:r>
             <a:r>
-              <a:rPr lang="en-US" sz="1400" b="1" dirty="0" err="1">
+              <a:rPr lang="en-US" sz="1200" b="1" dirty="0" err="1">
                 <a:latin typeface="+mj-lt"/>
                 <a:cs typeface="Times New Roman" panose="02020603050405020304" pitchFamily="18" charset="0"/>
               </a:rPr>
               <a:t>todos</a:t>
             </a:r>
             <a:r>
-              <a:rPr lang="en-US" sz="1400" b="1" dirty="0">
+              <a:rPr lang="en-US" sz="1200" b="1" dirty="0">
                 <a:latin typeface="+mj-lt"/>
                 <a:cs typeface="Times New Roman" panose="02020603050405020304" pitchFamily="18" charset="0"/>
               </a:rPr>
@@ -9744,35 +9749,35 @@
               <a:buNone/>
             </a:pPr>
             <a:r>
-              <a:rPr lang="en-US" sz="1400" b="1" dirty="0">
+              <a:rPr lang="en-US" sz="1200" b="1" dirty="0">
                 <a:latin typeface="+mj-lt"/>
                 <a:cs typeface="Times New Roman" panose="02020603050405020304" pitchFamily="18" charset="0"/>
               </a:rPr>
               <a:t>id = </a:t>
             </a:r>
             <a:r>
-              <a:rPr lang="en-US" sz="1400" b="1" dirty="0" err="1">
+              <a:rPr lang="en-US" sz="1200" b="1" dirty="0" err="1">
                 <a:latin typeface="+mj-lt"/>
                 <a:cs typeface="Times New Roman" panose="02020603050405020304" pitchFamily="18" charset="0"/>
               </a:rPr>
               <a:t>db.Column</a:t>
             </a:r>
             <a:r>
-              <a:rPr lang="en-US" sz="1400" b="1" dirty="0">
+              <a:rPr lang="en-US" sz="1200" b="1" dirty="0">
                 <a:latin typeface="+mj-lt"/>
                 <a:cs typeface="Times New Roman" panose="02020603050405020304" pitchFamily="18" charset="0"/>
               </a:rPr>
               <a:t>("id", Integer, </a:t>
             </a:r>
             <a:r>
-              <a:rPr lang="en-US" sz="1400" b="1" dirty="0" err="1">
+              <a:rPr lang="en-US" sz="1200" b="1" dirty="0" err="1">
                 <a:latin typeface="+mj-lt"/>
                 <a:cs typeface="Times New Roman" panose="02020603050405020304" pitchFamily="18" charset="0"/>
               </a:rPr>
               <a:t>primary_key</a:t>
             </a:r>
             <a:r>
-              <a:rPr lang="en-US" sz="1400" b="1" dirty="0">
+              <a:rPr lang="en-US" sz="1200" b="1" dirty="0">
                 <a:latin typeface="+mj-lt"/>
                 <a:cs typeface="Times New Roman" panose="02020603050405020304" pitchFamily="18" charset="0"/>
               </a:rPr>
@@ -9784,21 +9789,21 @@
               <a:buNone/>
             </a:pPr>
             <a:r>
-              <a:rPr lang="en-US" sz="1400" b="1" dirty="0">
+              <a:rPr lang="en-US" sz="1200" b="1" dirty="0">
                 <a:latin typeface="+mj-lt"/>
                 <a:cs typeface="Times New Roman" panose="02020603050405020304" pitchFamily="18" charset="0"/>
               </a:rPr>
               <a:t>description = </a:t>
             </a:r>
             <a:r>
-              <a:rPr lang="en-US" sz="1400" b="1" dirty="0" err="1">
+              <a:rPr lang="en-US" sz="1200" b="1" dirty="0" err="1">
                 <a:latin typeface="+mj-lt"/>
                 <a:cs typeface="Times New Roman" panose="02020603050405020304" pitchFamily="18" charset="0"/>
               </a:rPr>
               <a:t>db.Column</a:t>
             </a:r>
             <a:r>
-              <a:rPr lang="en-US" sz="1400" b="1" dirty="0">
+              <a:rPr lang="en-US" sz="1200" b="1" dirty="0">
                 <a:latin typeface="+mj-lt"/>
                 <a:cs typeface="Times New Roman" panose="02020603050405020304" pitchFamily="18" charset="0"/>
               </a:rPr>
@@ -9810,42 +9815,42 @@
               <a:buNone/>
             </a:pPr>
             <a:r>
-              <a:rPr lang="en-US" sz="1400" b="1" dirty="0" err="1">
+              <a:rPr lang="en-US" sz="1200" b="1" dirty="0" err="1">
                 <a:latin typeface="+mj-lt"/>
                 <a:cs typeface="Times New Roman" panose="02020603050405020304" pitchFamily="18" charset="0"/>
               </a:rPr>
               <a:t>is_done</a:t>
             </a:r>
             <a:r>
-              <a:rPr lang="en-US" sz="1400" b="1" dirty="0">
+              <a:rPr lang="en-US" sz="1200" b="1" dirty="0">
                 <a:latin typeface="+mj-lt"/>
                 <a:cs typeface="Times New Roman" panose="02020603050405020304" pitchFamily="18" charset="0"/>
               </a:rPr>
               <a:t> = </a:t>
             </a:r>
             <a:r>
-              <a:rPr lang="en-US" sz="1400" b="1" dirty="0" err="1">
+              <a:rPr lang="en-US" sz="1200" b="1" dirty="0" err="1">
                 <a:latin typeface="+mj-lt"/>
                 <a:cs typeface="Times New Roman" panose="02020603050405020304" pitchFamily="18" charset="0"/>
               </a:rPr>
               <a:t>db.Column</a:t>
             </a:r>
             <a:r>
-              <a:rPr lang="en-US" sz="1400" b="1" dirty="0">
+              <a:rPr lang="en-US" sz="1200" b="1" dirty="0">
                 <a:latin typeface="+mj-lt"/>
                 <a:cs typeface="Times New Roman" panose="02020603050405020304" pitchFamily="18" charset="0"/>
               </a:rPr>
               <a:t>("</a:t>
             </a:r>
             <a:r>
-              <a:rPr lang="en-US" sz="1400" b="1" dirty="0" err="1">
+              <a:rPr lang="en-US" sz="1200" b="1" dirty="0" err="1">
                 <a:latin typeface="+mj-lt"/>
                 <a:cs typeface="Times New Roman" panose="02020603050405020304" pitchFamily="18" charset="0"/>
               </a:rPr>
               <a:t>isdone</a:t>
             </a:r>
             <a:r>
-              <a:rPr lang="en-US" sz="1400" b="1" dirty="0">
+              <a:rPr lang="en-US" sz="1200" b="1" dirty="0">
                 <a:latin typeface="+mj-lt"/>
                 <a:cs typeface="Times New Roman" panose="02020603050405020304" pitchFamily="18" charset="0"/>
               </a:rPr>
@@ -9857,56 +9862,56 @@
               <a:buNone/>
             </a:pPr>
             <a:r>
-              <a:rPr lang="en-US" sz="1400" b="1" dirty="0" err="1">
+              <a:rPr lang="en-US" sz="1200" b="1" dirty="0" err="1">
                 <a:latin typeface="+mj-lt"/>
                 <a:cs typeface="Times New Roman" panose="02020603050405020304" pitchFamily="18" charset="0"/>
               </a:rPr>
               <a:t>created_date</a:t>
             </a:r>
             <a:r>
-              <a:rPr lang="en-US" sz="1400" b="1" dirty="0">
+              <a:rPr lang="en-US" sz="1200" b="1" dirty="0">
                 <a:latin typeface="+mj-lt"/>
                 <a:cs typeface="Times New Roman" panose="02020603050405020304" pitchFamily="18" charset="0"/>
               </a:rPr>
               <a:t> = </a:t>
             </a:r>
             <a:r>
-              <a:rPr lang="en-US" sz="1400" b="1" dirty="0" err="1">
+              <a:rPr lang="en-US" sz="1200" b="1" dirty="0" err="1">
                 <a:latin typeface="+mj-lt"/>
                 <a:cs typeface="Times New Roman" panose="02020603050405020304" pitchFamily="18" charset="0"/>
               </a:rPr>
               <a:t>db.Column</a:t>
             </a:r>
             <a:r>
-              <a:rPr lang="en-US" sz="1400" b="1" dirty="0">
+              <a:rPr lang="en-US" sz="1200" b="1" dirty="0">
                 <a:latin typeface="+mj-lt"/>
                 <a:cs typeface="Times New Roman" panose="02020603050405020304" pitchFamily="18" charset="0"/>
               </a:rPr>
               <a:t>("</a:t>
             </a:r>
             <a:r>
-              <a:rPr lang="en-US" sz="1400" b="1" dirty="0" err="1">
+              <a:rPr lang="en-US" sz="1200" b="1" dirty="0" err="1">
                 <a:latin typeface="+mj-lt"/>
                 <a:cs typeface="Times New Roman" panose="02020603050405020304" pitchFamily="18" charset="0"/>
               </a:rPr>
               <a:t>created_date</a:t>
             </a:r>
             <a:r>
-              <a:rPr lang="en-US" sz="1400" b="1" dirty="0">
+              <a:rPr lang="en-US" sz="1200" b="1" dirty="0">
                 <a:latin typeface="+mj-lt"/>
                 <a:cs typeface="Times New Roman" panose="02020603050405020304" pitchFamily="18" charset="0"/>
               </a:rPr>
               <a:t>", </a:t>
             </a:r>
             <a:r>
-              <a:rPr lang="en-US" sz="1400" b="1" dirty="0" err="1">
+              <a:rPr lang="en-US" sz="1200" b="1" dirty="0" err="1">
                 <a:latin typeface="+mj-lt"/>
                 <a:cs typeface="Times New Roman" panose="02020603050405020304" pitchFamily="18" charset="0"/>
               </a:rPr>
               <a:t>DateTime</a:t>
             </a:r>
             <a:r>
-              <a:rPr lang="en-US" sz="1400" b="1" dirty="0">
+              <a:rPr lang="en-US" sz="1200" b="1" dirty="0">
                 <a:latin typeface="+mj-lt"/>
                 <a:cs typeface="Times New Roman" panose="02020603050405020304" pitchFamily="18" charset="0"/>
               </a:rPr>
@@ -9918,56 +9923,56 @@
               <a:buNone/>
             </a:pPr>
             <a:r>
-              <a:rPr lang="en-US" sz="1400" b="1" dirty="0" err="1">
+              <a:rPr lang="en-US" sz="1200" b="1" dirty="0" err="1">
                 <a:latin typeface="+mj-lt"/>
                 <a:cs typeface="Times New Roman" panose="02020603050405020304" pitchFamily="18" charset="0"/>
               </a:rPr>
               <a:t>done_date</a:t>
             </a:r>
             <a:r>
-              <a:rPr lang="en-US" sz="1400" b="1" dirty="0">
+              <a:rPr lang="en-US" sz="1200" b="1" dirty="0">
                 <a:latin typeface="+mj-lt"/>
                 <a:cs typeface="Times New Roman" panose="02020603050405020304" pitchFamily="18" charset="0"/>
               </a:rPr>
               <a:t> = </a:t>
             </a:r>
             <a:r>
-              <a:rPr lang="en-US" sz="1400" b="1" dirty="0" err="1">
+              <a:rPr lang="en-US" sz="1200" b="1" dirty="0" err="1">
                 <a:latin typeface="+mj-lt"/>
                 <a:cs typeface="Times New Roman" panose="02020603050405020304" pitchFamily="18" charset="0"/>
               </a:rPr>
               <a:t>db.Column</a:t>
             </a:r>
             <a:r>
-              <a:rPr lang="en-US" sz="1400" b="1" dirty="0">
+              <a:rPr lang="en-US" sz="1200" b="1" dirty="0">
                 <a:latin typeface="+mj-lt"/>
                 <a:cs typeface="Times New Roman" panose="02020603050405020304" pitchFamily="18" charset="0"/>
               </a:rPr>
               <a:t>("</a:t>
             </a:r>
             <a:r>
-              <a:rPr lang="en-US" sz="1400" b="1" dirty="0" err="1">
+              <a:rPr lang="en-US" sz="1200" b="1" dirty="0" err="1">
                 <a:latin typeface="+mj-lt"/>
                 <a:cs typeface="Times New Roman" panose="02020603050405020304" pitchFamily="18" charset="0"/>
               </a:rPr>
               <a:t>done_date</a:t>
             </a:r>
             <a:r>
-              <a:rPr lang="en-US" sz="1400" b="1" dirty="0">
+              <a:rPr lang="en-US" sz="1200" b="1" dirty="0">
                 <a:latin typeface="+mj-lt"/>
                 <a:cs typeface="Times New Roman" panose="02020603050405020304" pitchFamily="18" charset="0"/>
               </a:rPr>
               <a:t>", </a:t>
             </a:r>
             <a:r>
-              <a:rPr lang="en-US" sz="1400" b="1" dirty="0" err="1">
+              <a:rPr lang="en-US" sz="1200" b="1" dirty="0" err="1">
                 <a:latin typeface="+mj-lt"/>
                 <a:cs typeface="Times New Roman" panose="02020603050405020304" pitchFamily="18" charset="0"/>
               </a:rPr>
               <a:t>DateTime</a:t>
             </a:r>
             <a:r>
-              <a:rPr lang="en-US" sz="1400" b="1" dirty="0">
+              <a:rPr lang="en-US" sz="1200" b="1" dirty="0">
                 <a:latin typeface="+mj-lt"/>
                 <a:cs typeface="Times New Roman" panose="02020603050405020304" pitchFamily="18" charset="0"/>
               </a:rPr>
@@ -9979,56 +9984,56 @@
               <a:buNone/>
             </a:pPr>
             <a:r>
-              <a:rPr lang="en-US" sz="1400" b="1" dirty="0" err="1">
+              <a:rPr lang="en-US" sz="1200" b="1" dirty="0" err="1">
                 <a:latin typeface="+mj-lt"/>
                 <a:cs typeface="Times New Roman" panose="02020603050405020304" pitchFamily="18" charset="0"/>
               </a:rPr>
               <a:t>user_id</a:t>
             </a:r>
             <a:r>
-              <a:rPr lang="en-US" sz="1400" b="1" dirty="0">
+              <a:rPr lang="en-US" sz="1200" b="1" dirty="0">
                 <a:latin typeface="+mj-lt"/>
                 <a:cs typeface="Times New Roman" panose="02020603050405020304" pitchFamily="18" charset="0"/>
               </a:rPr>
               <a:t> = </a:t>
             </a:r>
             <a:r>
-              <a:rPr lang="en-US" sz="1400" b="1" dirty="0" err="1">
+              <a:rPr lang="en-US" sz="1200" b="1" dirty="0" err="1">
                 <a:latin typeface="+mj-lt"/>
                 <a:cs typeface="Times New Roman" panose="02020603050405020304" pitchFamily="18" charset="0"/>
               </a:rPr>
               <a:t>db.Column</a:t>
             </a:r>
             <a:r>
-              <a:rPr lang="en-US" sz="1400" b="1" dirty="0">
+              <a:rPr lang="en-US" sz="1200" b="1" dirty="0">
                 <a:latin typeface="+mj-lt"/>
                 <a:cs typeface="Times New Roman" panose="02020603050405020304" pitchFamily="18" charset="0"/>
               </a:rPr>
               <a:t>("</a:t>
             </a:r>
             <a:r>
-              <a:rPr lang="en-US" sz="1400" b="1" dirty="0" err="1">
+              <a:rPr lang="en-US" sz="1200" b="1" dirty="0" err="1">
                 <a:latin typeface="+mj-lt"/>
                 <a:cs typeface="Times New Roman" panose="02020603050405020304" pitchFamily="18" charset="0"/>
               </a:rPr>
               <a:t>user_id</a:t>
             </a:r>
             <a:r>
-              <a:rPr lang="en-US" sz="1400" b="1" dirty="0">
+              <a:rPr lang="en-US" sz="1200" b="1" dirty="0">
                 <a:latin typeface="+mj-lt"/>
                 <a:cs typeface="Times New Roman" panose="02020603050405020304" pitchFamily="18" charset="0"/>
               </a:rPr>
               <a:t>", Integer, </a:t>
             </a:r>
             <a:r>
-              <a:rPr lang="en-US" sz="1400" b="1" dirty="0" err="1">
+              <a:rPr lang="en-US" sz="1200" b="1" dirty="0" err="1">
                 <a:latin typeface="+mj-lt"/>
                 <a:cs typeface="Times New Roman" panose="02020603050405020304" pitchFamily="18" charset="0"/>
               </a:rPr>
               <a:t>ForeignKey</a:t>
             </a:r>
             <a:r>
-              <a:rPr lang="en-US" sz="1400" b="1" dirty="0">
+              <a:rPr lang="en-US" sz="1200" b="1" dirty="0">
                 <a:latin typeface="+mj-lt"/>
                 <a:cs typeface="Times New Roman" panose="02020603050405020304" pitchFamily="18" charset="0"/>
               </a:rPr>
@@ -10040,7 +10045,7 @@
               <a:buNone/>
             </a:pPr>
             <a:r>
-              <a:rPr lang="en-US" sz="1400" b="1" dirty="0">
+              <a:rPr lang="en-US" sz="1200" b="1" dirty="0">
                 <a:latin typeface="+mj-lt"/>
                 <a:cs typeface="Times New Roman" panose="02020603050405020304" pitchFamily="18" charset="0"/>
               </a:rPr>
@@ -10052,35 +10057,35 @@
               <a:buNone/>
             </a:pPr>
             <a:r>
-              <a:rPr lang="en-US" sz="1400" b="1" dirty="0">
+              <a:rPr lang="en-US" sz="1200" b="1" dirty="0">
                 <a:latin typeface="+mj-lt"/>
                 <a:cs typeface="Times New Roman" panose="02020603050405020304" pitchFamily="18" charset="0"/>
               </a:rPr>
               <a:t>    def __</a:t>
             </a:r>
             <a:r>
-              <a:rPr lang="en-US" sz="1400" b="1" dirty="0" err="1">
+              <a:rPr lang="en-US" sz="1200" b="1" dirty="0" err="1">
                 <a:latin typeface="+mj-lt"/>
                 <a:cs typeface="Times New Roman" panose="02020603050405020304" pitchFamily="18" charset="0"/>
               </a:rPr>
               <a:t>init</a:t>
             </a:r>
             <a:r>
-              <a:rPr lang="en-US" sz="1400" b="1" dirty="0">
+              <a:rPr lang="en-US" sz="1200" b="1" dirty="0">
                 <a:latin typeface="+mj-lt"/>
                 <a:cs typeface="Times New Roman" panose="02020603050405020304" pitchFamily="18" charset="0"/>
               </a:rPr>
               <a:t>__(self, description, </a:t>
             </a:r>
             <a:r>
-              <a:rPr lang="en-US" sz="1400" b="1" dirty="0" err="1">
+              <a:rPr lang="en-US" sz="1200" b="1" dirty="0" err="1">
                 <a:latin typeface="+mj-lt"/>
                 <a:cs typeface="Times New Roman" panose="02020603050405020304" pitchFamily="18" charset="0"/>
               </a:rPr>
               <a:t>user_id</a:t>
             </a:r>
             <a:r>
-              <a:rPr lang="en-US" sz="1400" b="1" dirty="0">
+              <a:rPr lang="en-US" sz="1200" b="1" dirty="0">
                 <a:latin typeface="+mj-lt"/>
                 <a:cs typeface="Times New Roman" panose="02020603050405020304" pitchFamily="18" charset="0"/>
               </a:rPr>
@@ -10092,7 +10097,7 @@
               <a:buNone/>
             </a:pPr>
             <a:r>
-              <a:rPr lang="en-US" sz="1400" b="1" dirty="0">
+              <a:rPr lang="en-US" sz="1200" b="1" dirty="0">
                 <a:latin typeface="+mj-lt"/>
                 <a:cs typeface="Times New Roman" panose="02020603050405020304" pitchFamily="18" charset="0"/>
               </a:rPr>
@@ -10104,21 +10109,21 @@
               <a:buNone/>
             </a:pPr>
             <a:r>
-              <a:rPr lang="en-US" sz="1400" b="1" dirty="0">
+              <a:rPr lang="en-US" sz="1200" b="1" dirty="0">
                 <a:latin typeface="+mj-lt"/>
                 <a:cs typeface="Times New Roman" panose="02020603050405020304" pitchFamily="18" charset="0"/>
               </a:rPr>
               <a:t>def </a:t>
             </a:r>
             <a:r>
-              <a:rPr lang="en-US" sz="1400" b="1" dirty="0" err="1">
+              <a:rPr lang="en-US" sz="1200" b="1" dirty="0" err="1">
                 <a:latin typeface="+mj-lt"/>
                 <a:cs typeface="Times New Roman" panose="02020603050405020304" pitchFamily="18" charset="0"/>
               </a:rPr>
               <a:t>to_json</a:t>
             </a:r>
             <a:r>
-              <a:rPr lang="en-US" sz="1400" b="1" dirty="0">
+              <a:rPr lang="en-US" sz="1200" b="1" dirty="0">
                 <a:latin typeface="+mj-lt"/>
                 <a:cs typeface="Times New Roman" panose="02020603050405020304" pitchFamily="18" charset="0"/>
               </a:rPr>
@@ -10130,21 +10135,21 @@
               <a:buNone/>
             </a:pPr>
             <a:r>
-              <a:rPr lang="en-US" sz="1400" b="1" dirty="0">
+              <a:rPr lang="en-US" sz="1200" b="1" dirty="0">
                 <a:latin typeface="+mj-lt"/>
                 <a:cs typeface="Times New Roman" panose="02020603050405020304" pitchFamily="18" charset="0"/>
               </a:rPr>
               <a:t>        """ method used to convert model data to </a:t>
             </a:r>
             <a:r>
-              <a:rPr lang="en-US" sz="1400" b="1" dirty="0" err="1">
+              <a:rPr lang="en-US" sz="1200" b="1" dirty="0" err="1">
                 <a:latin typeface="+mj-lt"/>
                 <a:cs typeface="Times New Roman" panose="02020603050405020304" pitchFamily="18" charset="0"/>
               </a:rPr>
               <a:t>json</a:t>
             </a:r>
             <a:r>
-              <a:rPr lang="en-US" sz="1400" b="1" dirty="0">
+              <a:rPr lang="en-US" sz="1200" b="1" dirty="0">
                 <a:latin typeface="+mj-lt"/>
                 <a:cs typeface="Times New Roman" panose="02020603050405020304" pitchFamily="18" charset="0"/>
               </a:rPr>
